--- a/보고서 폴더/아이디어 수집/이소현 조별1.pptx
+++ b/보고서 폴더/아이디어 수집/이소현 조별1.pptx
@@ -288,6 +288,7 @@
           <a:p>
             <a:fld id="{3F058AD6-8DCC-4694-B292-178CBC934919}" type="datetimeFigureOut">
               <a:rPr lang="ko-KR" altLang="en-US" smtClean="0"/>
+              <a:pPr/>
               <a:t>2019-09-16</a:t>
             </a:fld>
             <a:endParaRPr lang="ko-KR" altLang="en-US"/>
@@ -330,6 +331,7 @@
           <a:p>
             <a:fld id="{9582EF74-4039-46E0-952D-F838004836C4}" type="slidenum">
               <a:rPr lang="ko-KR" altLang="en-US" smtClean="0"/>
+              <a:pPr/>
               <a:t>‹#›</a:t>
             </a:fld>
             <a:endParaRPr lang="ko-KR" altLang="en-US"/>
@@ -453,6 +455,7 @@
           <a:p>
             <a:fld id="{3F058AD6-8DCC-4694-B292-178CBC934919}" type="datetimeFigureOut">
               <a:rPr lang="ko-KR" altLang="en-US" smtClean="0"/>
+              <a:pPr/>
               <a:t>2019-09-16</a:t>
             </a:fld>
             <a:endParaRPr lang="ko-KR" altLang="en-US"/>
@@ -495,6 +498,7 @@
           <a:p>
             <a:fld id="{9582EF74-4039-46E0-952D-F838004836C4}" type="slidenum">
               <a:rPr lang="ko-KR" altLang="en-US" smtClean="0"/>
+              <a:pPr/>
               <a:t>‹#›</a:t>
             </a:fld>
             <a:endParaRPr lang="ko-KR" altLang="en-US"/>
@@ -628,6 +632,7 @@
           <a:p>
             <a:fld id="{3F058AD6-8DCC-4694-B292-178CBC934919}" type="datetimeFigureOut">
               <a:rPr lang="ko-KR" altLang="en-US" smtClean="0"/>
+              <a:pPr/>
               <a:t>2019-09-16</a:t>
             </a:fld>
             <a:endParaRPr lang="ko-KR" altLang="en-US"/>
@@ -670,6 +675,7 @@
           <a:p>
             <a:fld id="{9582EF74-4039-46E0-952D-F838004836C4}" type="slidenum">
               <a:rPr lang="ko-KR" altLang="en-US" smtClean="0"/>
+              <a:pPr/>
               <a:t>‹#›</a:t>
             </a:fld>
             <a:endParaRPr lang="ko-KR" altLang="en-US"/>
@@ -793,6 +799,7 @@
           <a:p>
             <a:fld id="{3F058AD6-8DCC-4694-B292-178CBC934919}" type="datetimeFigureOut">
               <a:rPr lang="ko-KR" altLang="en-US" smtClean="0"/>
+              <a:pPr/>
               <a:t>2019-09-16</a:t>
             </a:fld>
             <a:endParaRPr lang="ko-KR" altLang="en-US"/>
@@ -835,6 +842,7 @@
           <a:p>
             <a:fld id="{9582EF74-4039-46E0-952D-F838004836C4}" type="slidenum">
               <a:rPr lang="ko-KR" altLang="en-US" smtClean="0"/>
+              <a:pPr/>
               <a:t>‹#›</a:t>
             </a:fld>
             <a:endParaRPr lang="ko-KR" altLang="en-US"/>
@@ -1034,6 +1042,7 @@
           <a:p>
             <a:fld id="{3F058AD6-8DCC-4694-B292-178CBC934919}" type="datetimeFigureOut">
               <a:rPr lang="ko-KR" altLang="en-US" smtClean="0"/>
+              <a:pPr/>
               <a:t>2019-09-16</a:t>
             </a:fld>
             <a:endParaRPr lang="ko-KR" altLang="en-US"/>
@@ -1076,6 +1085,7 @@
           <a:p>
             <a:fld id="{9582EF74-4039-46E0-952D-F838004836C4}" type="slidenum">
               <a:rPr lang="ko-KR" altLang="en-US" smtClean="0"/>
+              <a:pPr/>
               <a:t>‹#›</a:t>
             </a:fld>
             <a:endParaRPr lang="ko-KR" altLang="en-US"/>
@@ -1317,6 +1327,7 @@
           <a:p>
             <a:fld id="{3F058AD6-8DCC-4694-B292-178CBC934919}" type="datetimeFigureOut">
               <a:rPr lang="ko-KR" altLang="en-US" smtClean="0"/>
+              <a:pPr/>
               <a:t>2019-09-16</a:t>
             </a:fld>
             <a:endParaRPr lang="ko-KR" altLang="en-US"/>
@@ -1359,6 +1370,7 @@
           <a:p>
             <a:fld id="{9582EF74-4039-46E0-952D-F838004836C4}" type="slidenum">
               <a:rPr lang="ko-KR" altLang="en-US" smtClean="0"/>
+              <a:pPr/>
               <a:t>‹#›</a:t>
             </a:fld>
             <a:endParaRPr lang="ko-KR" altLang="en-US"/>
@@ -1734,6 +1746,7 @@
           <a:p>
             <a:fld id="{3F058AD6-8DCC-4694-B292-178CBC934919}" type="datetimeFigureOut">
               <a:rPr lang="ko-KR" altLang="en-US" smtClean="0"/>
+              <a:pPr/>
               <a:t>2019-09-16</a:t>
             </a:fld>
             <a:endParaRPr lang="ko-KR" altLang="en-US"/>
@@ -1776,6 +1789,7 @@
           <a:p>
             <a:fld id="{9582EF74-4039-46E0-952D-F838004836C4}" type="slidenum">
               <a:rPr lang="ko-KR" altLang="en-US" smtClean="0"/>
+              <a:pPr/>
               <a:t>‹#›</a:t>
             </a:fld>
             <a:endParaRPr lang="ko-KR" altLang="en-US"/>
@@ -1847,6 +1861,7 @@
           <a:p>
             <a:fld id="{3F058AD6-8DCC-4694-B292-178CBC934919}" type="datetimeFigureOut">
               <a:rPr lang="ko-KR" altLang="en-US" smtClean="0"/>
+              <a:pPr/>
               <a:t>2019-09-16</a:t>
             </a:fld>
             <a:endParaRPr lang="ko-KR" altLang="en-US"/>
@@ -1889,6 +1904,7 @@
           <a:p>
             <a:fld id="{9582EF74-4039-46E0-952D-F838004836C4}" type="slidenum">
               <a:rPr lang="ko-KR" altLang="en-US" smtClean="0"/>
+              <a:pPr/>
               <a:t>‹#›</a:t>
             </a:fld>
             <a:endParaRPr lang="ko-KR" altLang="en-US"/>
@@ -1937,6 +1953,7 @@
           <a:p>
             <a:fld id="{3F058AD6-8DCC-4694-B292-178CBC934919}" type="datetimeFigureOut">
               <a:rPr lang="ko-KR" altLang="en-US" smtClean="0"/>
+              <a:pPr/>
               <a:t>2019-09-16</a:t>
             </a:fld>
             <a:endParaRPr lang="ko-KR" altLang="en-US"/>
@@ -1979,6 +1996,7 @@
           <a:p>
             <a:fld id="{9582EF74-4039-46E0-952D-F838004836C4}" type="slidenum">
               <a:rPr lang="ko-KR" altLang="en-US" smtClean="0"/>
+              <a:pPr/>
               <a:t>‹#›</a:t>
             </a:fld>
             <a:endParaRPr lang="ko-KR" altLang="en-US"/>
@@ -2209,6 +2227,7 @@
           <a:p>
             <a:fld id="{3F058AD6-8DCC-4694-B292-178CBC934919}" type="datetimeFigureOut">
               <a:rPr lang="ko-KR" altLang="en-US" smtClean="0"/>
+              <a:pPr/>
               <a:t>2019-09-16</a:t>
             </a:fld>
             <a:endParaRPr lang="ko-KR" altLang="en-US"/>
@@ -2251,6 +2270,7 @@
           <a:p>
             <a:fld id="{9582EF74-4039-46E0-952D-F838004836C4}" type="slidenum">
               <a:rPr lang="ko-KR" altLang="en-US" smtClean="0"/>
+              <a:pPr/>
               <a:t>‹#›</a:t>
             </a:fld>
             <a:endParaRPr lang="ko-KR" altLang="en-US"/>
@@ -2457,6 +2477,7 @@
           <a:p>
             <a:fld id="{3F058AD6-8DCC-4694-B292-178CBC934919}" type="datetimeFigureOut">
               <a:rPr lang="ko-KR" altLang="en-US" smtClean="0"/>
+              <a:pPr/>
               <a:t>2019-09-16</a:t>
             </a:fld>
             <a:endParaRPr lang="ko-KR" altLang="en-US"/>
@@ -2499,6 +2520,7 @@
           <a:p>
             <a:fld id="{9582EF74-4039-46E0-952D-F838004836C4}" type="slidenum">
               <a:rPr lang="ko-KR" altLang="en-US" smtClean="0"/>
+              <a:pPr/>
               <a:t>‹#›</a:t>
             </a:fld>
             <a:endParaRPr lang="ko-KR" altLang="en-US"/>
@@ -2665,6 +2687,7 @@
           <a:p>
             <a:fld id="{3F058AD6-8DCC-4694-B292-178CBC934919}" type="datetimeFigureOut">
               <a:rPr lang="ko-KR" altLang="en-US" smtClean="0"/>
+              <a:pPr/>
               <a:t>2019-09-16</a:t>
             </a:fld>
             <a:endParaRPr lang="ko-KR" altLang="en-US"/>
@@ -2743,6 +2766,7 @@
           <a:p>
             <a:fld id="{9582EF74-4039-46E0-952D-F838004836C4}" type="slidenum">
               <a:rPr lang="ko-KR" altLang="en-US" smtClean="0"/>
+              <a:pPr/>
               <a:t>‹#›</a:t>
             </a:fld>
             <a:endParaRPr lang="ko-KR" altLang="en-US"/>
@@ -3436,15 +3460,27 @@
             </a:r>
             <a:r>
               <a:rPr lang="ko-KR" altLang="en-US" sz="1100" b="1" dirty="0" smtClean="0"/>
-              <a:t> 급하게 전달사항 있을 시  </a:t>
-            </a:r>
-            <a:r>
-              <a:rPr lang="ko-KR" altLang="en-US" sz="1100" b="1" dirty="0" err="1" smtClean="0"/>
-              <a:t>메신져로</a:t>
+              <a:t> 급하게 전달사항 있을 </a:t>
+            </a:r>
+            <a:r>
+              <a:rPr lang="ko-KR" altLang="en-US" sz="1100" b="1" smtClean="0"/>
+              <a:t>시  </a:t>
+            </a:r>
+            <a:r>
+              <a:rPr lang="ko-KR" altLang="en-US" sz="1100" b="1" smtClean="0"/>
+              <a:t>메신</a:t>
+            </a:r>
+            <a:r>
+              <a:rPr lang="ko-KR" altLang="en-US" sz="1100" b="1" smtClean="0"/>
+              <a:t>저</a:t>
+            </a:r>
+            <a:r>
+              <a:rPr lang="ko-KR" altLang="en-US" sz="1100" b="1" smtClean="0"/>
+              <a:t>로 </a:t>
             </a:r>
             <a:r>
               <a:rPr lang="ko-KR" altLang="en-US" sz="1100" b="1" dirty="0" smtClean="0"/>
-              <a:t> 전달가능</a:t>
+              <a:t>전달가능</a:t>
             </a:r>
             <a:r>
               <a:rPr lang="en-US" altLang="ko-KR" sz="1100" b="1" dirty="0"/>
